--- a/control-flow/boolean_control_flow.pptx
+++ b/control-flow/boolean_control_flow.pptx
@@ -287,7 +287,7 @@
           <a:p>
             <a:fld id="{AEA42C88-3F37-4463-8279-4CD5E872743B}" type="datetimeFigureOut">
               <a:rPr lang="en-US" smtClean="0"/>
-              <a:t>4/27/2023</a:t>
+              <a:t>1/12/2024</a:t>
             </a:fld>
             <a:endParaRPr lang="en-US"/>
           </a:p>
@@ -457,7 +457,7 @@
           <a:p>
             <a:fld id="{AEA42C88-3F37-4463-8279-4CD5E872743B}" type="datetimeFigureOut">
               <a:rPr lang="en-US" smtClean="0"/>
-              <a:t>4/27/2023</a:t>
+              <a:t>1/12/2024</a:t>
             </a:fld>
             <a:endParaRPr lang="en-US"/>
           </a:p>
@@ -637,7 +637,7 @@
           <a:p>
             <a:fld id="{AEA42C88-3F37-4463-8279-4CD5E872743B}" type="datetimeFigureOut">
               <a:rPr lang="en-US" smtClean="0"/>
-              <a:t>4/27/2023</a:t>
+              <a:t>1/12/2024</a:t>
             </a:fld>
             <a:endParaRPr lang="en-US"/>
           </a:p>
@@ -807,7 +807,7 @@
           <a:p>
             <a:fld id="{AEA42C88-3F37-4463-8279-4CD5E872743B}" type="datetimeFigureOut">
               <a:rPr lang="en-US" smtClean="0"/>
-              <a:t>4/27/2023</a:t>
+              <a:t>1/12/2024</a:t>
             </a:fld>
             <a:endParaRPr lang="en-US"/>
           </a:p>
@@ -1053,7 +1053,7 @@
           <a:p>
             <a:fld id="{AEA42C88-3F37-4463-8279-4CD5E872743B}" type="datetimeFigureOut">
               <a:rPr lang="en-US" smtClean="0"/>
-              <a:t>4/27/2023</a:t>
+              <a:t>1/12/2024</a:t>
             </a:fld>
             <a:endParaRPr lang="en-US"/>
           </a:p>
@@ -1285,7 +1285,7 @@
           <a:p>
             <a:fld id="{AEA42C88-3F37-4463-8279-4CD5E872743B}" type="datetimeFigureOut">
               <a:rPr lang="en-US" smtClean="0"/>
-              <a:t>4/27/2023</a:t>
+              <a:t>1/12/2024</a:t>
             </a:fld>
             <a:endParaRPr lang="en-US"/>
           </a:p>
@@ -1652,7 +1652,7 @@
           <a:p>
             <a:fld id="{AEA42C88-3F37-4463-8279-4CD5E872743B}" type="datetimeFigureOut">
               <a:rPr lang="en-US" smtClean="0"/>
-              <a:t>4/27/2023</a:t>
+              <a:t>1/12/2024</a:t>
             </a:fld>
             <a:endParaRPr lang="en-US"/>
           </a:p>
@@ -1770,7 +1770,7 @@
           <a:p>
             <a:fld id="{AEA42C88-3F37-4463-8279-4CD5E872743B}" type="datetimeFigureOut">
               <a:rPr lang="en-US" smtClean="0"/>
-              <a:t>4/27/2023</a:t>
+              <a:t>1/12/2024</a:t>
             </a:fld>
             <a:endParaRPr lang="en-US"/>
           </a:p>
@@ -1865,7 +1865,7 @@
           <a:p>
             <a:fld id="{AEA42C88-3F37-4463-8279-4CD5E872743B}" type="datetimeFigureOut">
               <a:rPr lang="en-US" smtClean="0"/>
-              <a:t>4/27/2023</a:t>
+              <a:t>1/12/2024</a:t>
             </a:fld>
             <a:endParaRPr lang="en-US"/>
           </a:p>
@@ -2142,7 +2142,7 @@
           <a:p>
             <a:fld id="{AEA42C88-3F37-4463-8279-4CD5E872743B}" type="datetimeFigureOut">
               <a:rPr lang="en-US" smtClean="0"/>
-              <a:t>4/27/2023</a:t>
+              <a:t>1/12/2024</a:t>
             </a:fld>
             <a:endParaRPr lang="en-US"/>
           </a:p>
@@ -2395,7 +2395,7 @@
           <a:p>
             <a:fld id="{AEA42C88-3F37-4463-8279-4CD5E872743B}" type="datetimeFigureOut">
               <a:rPr lang="en-US" smtClean="0"/>
-              <a:t>4/27/2023</a:t>
+              <a:t>1/12/2024</a:t>
             </a:fld>
             <a:endParaRPr lang="en-US"/>
           </a:p>
@@ -2608,7 +2608,7 @@
           <a:p>
             <a:fld id="{AEA42C88-3F37-4463-8279-4CD5E872743B}" type="datetimeFigureOut">
               <a:rPr lang="en-US" smtClean="0"/>
-              <a:t>4/27/2023</a:t>
+              <a:t>1/12/2024</a:t>
             </a:fld>
             <a:endParaRPr lang="en-US"/>
           </a:p>
@@ -4512,7 +4512,7 @@
         </p:nvSpPr>
         <p:spPr>
           <a:xfrm>
-            <a:off x="5566229" y="3382779"/>
+            <a:off x="5510811" y="3365977"/>
             <a:ext cx="3541485" cy="1059543"/>
           </a:xfrm>
           <a:prstGeom prst="rect">
@@ -6333,7 +6333,25 @@
               <a:rPr lang="en-US" sz="2800" dirty="0">
                 <a:latin typeface="Source Code Pro" panose="020B0509030403020204" pitchFamily="49" charset="0"/>
               </a:rPr>
-              <a:t>a = input(‘Enter a </a:t>
+              <a:t>a = </a:t>
+            </a:r>
+            <a:r>
+              <a:rPr lang="en-US" sz="2800" dirty="0" err="1" smtClean="0">
+                <a:latin typeface="Source Code Pro" panose="020B0509030403020204" pitchFamily="49" charset="0"/>
+              </a:rPr>
+              <a:t>int</a:t>
+            </a:r>
+            <a:r>
+              <a:rPr lang="en-US" sz="2800" dirty="0" smtClean="0">
+                <a:latin typeface="Source Code Pro" panose="020B0509030403020204" pitchFamily="49" charset="0"/>
+              </a:rPr>
+              <a:t>(input</a:t>
+            </a:r>
+            <a:r>
+              <a:rPr lang="en-US" sz="2800" dirty="0">
+                <a:latin typeface="Source Code Pro" panose="020B0509030403020204" pitchFamily="49" charset="0"/>
+              </a:rPr>
+              <a:t>(‘Enter a </a:t>
             </a:r>
             <a:r>
               <a:rPr lang="en-US" sz="2800" dirty="0" err="1">
@@ -6345,55 +6363,19 @@
               <a:rPr lang="en-US" sz="2800" dirty="0">
                 <a:latin typeface="Source Code Pro" panose="020B0509030403020204" pitchFamily="49" charset="0"/>
               </a:rPr>
-              <a:t> float: ‘)</a:t>
-            </a:r>
-          </a:p>
-          <a:p>
+              <a:t> float: </a:t>
+            </a:r>
+            <a:r>
+              <a:rPr lang="en-US" sz="2800" dirty="0" smtClean="0">
+                <a:latin typeface="Source Code Pro" panose="020B0509030403020204" pitchFamily="49" charset="0"/>
+              </a:rPr>
+              <a:t>‘))</a:t>
+            </a:r>
             <a:endParaRPr lang="en-US" sz="2800" dirty="0">
               <a:latin typeface="Source Code Pro" panose="020B0509030403020204" pitchFamily="49" charset="0"/>
             </a:endParaRPr>
           </a:p>
           <a:p>
-            <a:r>
-              <a:rPr lang="en-US" sz="2800" dirty="0">
-                <a:latin typeface="Source Code Pro" panose="020B0509030403020204" pitchFamily="49" charset="0"/>
-              </a:rPr>
-              <a:t>if a%2 == 0:</a:t>
-            </a:r>
-          </a:p>
-          <a:p>
-            <a:r>
-              <a:rPr lang="en-US" sz="2800" dirty="0">
-                <a:latin typeface="Source Code Pro" panose="020B0509030403020204" pitchFamily="49" charset="0"/>
-              </a:rPr>
-              <a:t>	print(“</a:t>
-            </a:r>
-            <a:r>
-              <a:rPr lang="en-US" sz="2800" dirty="0" err="1">
-                <a:latin typeface="Source Code Pro" panose="020B0509030403020204" pitchFamily="49" charset="0"/>
-              </a:rPr>
-              <a:t>Zoj</a:t>
-            </a:r>
-            <a:r>
-              <a:rPr lang="en-US" sz="2800" dirty="0">
-                <a:latin typeface="Source Code Pro" panose="020B0509030403020204" pitchFamily="49" charset="0"/>
-              </a:rPr>
-              <a:t> </a:t>
-            </a:r>
-            <a:r>
-              <a:rPr lang="en-US" sz="2800" dirty="0" err="1">
-                <a:latin typeface="Source Code Pro" panose="020B0509030403020204" pitchFamily="49" charset="0"/>
-              </a:rPr>
-              <a:t>Ast</a:t>
-            </a:r>
-            <a:r>
-              <a:rPr lang="en-US" sz="2800" dirty="0" smtClean="0">
-                <a:latin typeface="Source Code Pro" panose="020B0509030403020204" pitchFamily="49" charset="0"/>
-              </a:rPr>
-              <a:t>!”)</a:t>
-            </a:r>
-          </a:p>
-          <a:p>
             <a:endParaRPr lang="en-US" sz="2800" dirty="0">
               <a:latin typeface="Source Code Pro" panose="020B0509030403020204" pitchFamily="49" charset="0"/>
             </a:endParaRPr>
@@ -6403,8 +6385,68 @@
               <a:rPr lang="en-US" sz="2800" dirty="0">
                 <a:latin typeface="Source Code Pro" panose="020B0509030403020204" pitchFamily="49" charset="0"/>
               </a:rPr>
-              <a:t>if(a%2 != 0):</a:t>
-            </a:r>
+              <a:t>if a%2 == 0:</a:t>
+            </a:r>
+          </a:p>
+          <a:p>
+            <a:r>
+              <a:rPr lang="en-US" sz="2800" dirty="0">
+                <a:latin typeface="Source Code Pro" panose="020B0509030403020204" pitchFamily="49" charset="0"/>
+              </a:rPr>
+              <a:t>	print(“</a:t>
+            </a:r>
+            <a:r>
+              <a:rPr lang="en-US" sz="2800" dirty="0" err="1">
+                <a:latin typeface="Source Code Pro" panose="020B0509030403020204" pitchFamily="49" charset="0"/>
+              </a:rPr>
+              <a:t>Zoj</a:t>
+            </a:r>
+            <a:r>
+              <a:rPr lang="en-US" sz="2800" dirty="0">
+                <a:latin typeface="Source Code Pro" panose="020B0509030403020204" pitchFamily="49" charset="0"/>
+              </a:rPr>
+              <a:t> </a:t>
+            </a:r>
+            <a:r>
+              <a:rPr lang="en-US" sz="2800" dirty="0" err="1">
+                <a:latin typeface="Source Code Pro" panose="020B0509030403020204" pitchFamily="49" charset="0"/>
+              </a:rPr>
+              <a:t>Ast</a:t>
+            </a:r>
+            <a:r>
+              <a:rPr lang="en-US" sz="2800" dirty="0" smtClean="0">
+                <a:latin typeface="Source Code Pro" panose="020B0509030403020204" pitchFamily="49" charset="0"/>
+              </a:rPr>
+              <a:t>!”)</a:t>
+            </a:r>
+          </a:p>
+          <a:p>
+            <a:endParaRPr lang="en-US" sz="2800" dirty="0" smtClean="0">
+              <a:latin typeface="Source Code Pro" panose="020B0509030403020204" pitchFamily="49" charset="0"/>
+            </a:endParaRPr>
+          </a:p>
+          <a:p>
+            <a:r>
+              <a:rPr lang="en-US" sz="2800" dirty="0" smtClean="0">
+                <a:latin typeface="Source Code Pro" panose="020B0509030403020204" pitchFamily="49" charset="0"/>
+              </a:rPr>
+              <a:t>if a%2 </a:t>
+            </a:r>
+            <a:r>
+              <a:rPr lang="en-US" sz="2800" dirty="0">
+                <a:latin typeface="Source Code Pro" panose="020B0509030403020204" pitchFamily="49" charset="0"/>
+              </a:rPr>
+              <a:t>!= </a:t>
+            </a:r>
+            <a:r>
+              <a:rPr lang="en-US" sz="2800" dirty="0" smtClean="0">
+                <a:latin typeface="Source Code Pro" panose="020B0509030403020204" pitchFamily="49" charset="0"/>
+              </a:rPr>
+              <a:t>0:</a:t>
+            </a:r>
+            <a:endParaRPr lang="en-US" sz="2800" dirty="0">
+              <a:latin typeface="Source Code Pro" panose="020B0509030403020204" pitchFamily="49" charset="0"/>
+            </a:endParaRPr>
           </a:p>
           <a:p>
             <a:r>
@@ -7223,8 +7265,8 @@
         </p:nvSpPr>
         <p:spPr>
           <a:xfrm>
-            <a:off x="4455887" y="1313294"/>
-            <a:ext cx="3541485" cy="1059543"/>
+            <a:off x="4455887" y="1132564"/>
+            <a:ext cx="1653968" cy="1059543"/>
           </a:xfrm>
           <a:prstGeom prst="rect">
             <a:avLst/>
@@ -7271,7 +7313,7 @@
         </p:nvSpPr>
         <p:spPr>
           <a:xfrm>
-            <a:off x="5580743" y="2389639"/>
+            <a:off x="4483905" y="2305281"/>
             <a:ext cx="3541485" cy="1059543"/>
           </a:xfrm>
           <a:prstGeom prst="rect">
@@ -7432,7 +7474,7 @@
         </p:nvSpPr>
         <p:spPr>
           <a:xfrm>
-            <a:off x="7941620" y="1477626"/>
+            <a:off x="6254647" y="1280303"/>
             <a:ext cx="522900" cy="769441"/>
           </a:xfrm>
           <a:prstGeom prst="rect">
@@ -8837,7 +8879,13 @@
               <a:rPr lang="en-US" sz="2800" dirty="0" smtClean="0">
                 <a:latin typeface="Source Code Pro" panose="020B0509030403020204" pitchFamily="49" charset="0"/>
               </a:rPr>
-              <a:t>90&lt;=x&lt;=100:</a:t>
+              <a:t>90 &lt;= x &lt;= 100</a:t>
+            </a:r>
+            <a:r>
+              <a:rPr lang="en-US" sz="2800" dirty="0" smtClean="0">
+                <a:latin typeface="Source Code Pro" panose="020B0509030403020204" pitchFamily="49" charset="0"/>
+              </a:rPr>
+              <a:t>:</a:t>
             </a:r>
             <a:endParaRPr lang="fa-IR" sz="2800" dirty="0">
               <a:latin typeface="Source Code Pro" panose="020B0509030403020204" pitchFamily="49" charset="0"/>
@@ -8877,7 +8925,13 @@
               <a:rPr lang="en-US" sz="2800" dirty="0" smtClean="0">
                 <a:latin typeface="Source Code Pro" panose="020B0509030403020204" pitchFamily="49" charset="0"/>
               </a:rPr>
-              <a:t>80&lt;=x&lt;90:</a:t>
+              <a:t>80</a:t>
+            </a:r>
+            <a:r>
+              <a:rPr lang="en-US" sz="2800" dirty="0" smtClean="0">
+                <a:latin typeface="Source Code Pro" panose="020B0509030403020204" pitchFamily="49" charset="0"/>
+              </a:rPr>
+              <a:t>&lt;= x :</a:t>
             </a:r>
             <a:endParaRPr lang="fa-IR" sz="2800" dirty="0">
               <a:latin typeface="Source Code Pro" panose="020B0509030403020204" pitchFamily="49" charset="0"/>
@@ -8917,7 +8971,13 @@
               <a:rPr lang="en-US" sz="2800" dirty="0" smtClean="0">
                 <a:latin typeface="Source Code Pro" panose="020B0509030403020204" pitchFamily="49" charset="0"/>
               </a:rPr>
-              <a:t>70&lt;=x&lt;=80:</a:t>
+              <a:t>70 &lt;= x &lt;= 80</a:t>
+            </a:r>
+            <a:r>
+              <a:rPr lang="en-US" sz="2800" dirty="0" smtClean="0">
+                <a:latin typeface="Source Code Pro" panose="020B0509030403020204" pitchFamily="49" charset="0"/>
+              </a:rPr>
+              <a:t>:</a:t>
             </a:r>
             <a:endParaRPr lang="fa-IR" sz="2800" dirty="0">
               <a:latin typeface="Source Code Pro" panose="020B0509030403020204" pitchFamily="49" charset="0"/>
